--- a/presentation.pptx
+++ b/presentation.pptx
@@ -6,12 +6,13 @@
   </p:sldMasterIdLst>
   <p:sldIdLst>
     <p:sldId id="257" r:id="rId2"/>
-    <p:sldId id="256" r:id="rId3"/>
-    <p:sldId id="258" r:id="rId4"/>
-    <p:sldId id="259" r:id="rId5"/>
-    <p:sldId id="260" r:id="rId6"/>
-    <p:sldId id="261" r:id="rId7"/>
-    <p:sldId id="263" r:id="rId8"/>
+    <p:sldId id="264" r:id="rId3"/>
+    <p:sldId id="256" r:id="rId4"/>
+    <p:sldId id="258" r:id="rId5"/>
+    <p:sldId id="259" r:id="rId6"/>
+    <p:sldId id="260" r:id="rId7"/>
+    <p:sldId id="261" r:id="rId8"/>
+    <p:sldId id="263" r:id="rId9"/>
   </p:sldIdLst>
   <p:sldSz cx="12192000" cy="6858000"/>
   <p:notesSz cx="6858000" cy="9144000"/>
@@ -110,6 +111,11 @@
       </a:defRPr>
     </a:lvl9pPr>
   </p:defaultTextStyle>
+  <p:extLst>
+    <p:ext uri="{EFAFB233-063F-42B5-8137-9DF3F51BA10A}">
+      <p15:sldGuideLst xmlns:p15="http://schemas.microsoft.com/office/powerpoint/2012/main"/>
+    </p:ext>
+  </p:extLst>
 </p:presentation>
 </file>
 
@@ -2970,36 +2976,6 @@
           <a:chExt cx="0" cy="0"/>
         </a:xfrm>
       </p:grpSpPr>
-      <p:pic>
-        <p:nvPicPr>
-          <p:cNvPr id="4" name="Picture 3"/>
-          <p:cNvPicPr>
-            <a:picLocks noChangeAspect="1"/>
-          </p:cNvPicPr>
-          <p:nvPr/>
-        </p:nvPicPr>
-        <p:blipFill>
-          <a:blip r:embed="rId2">
-            <a:extLst>
-              <a:ext uri="{28A0092B-C50C-407E-A947-70E740481C1C}">
-                <a14:useLocalDpi xmlns:a14="http://schemas.microsoft.com/office/drawing/2010/main" val="0"/>
-              </a:ext>
-            </a:extLst>
-          </a:blip>
-          <a:stretch>
-            <a:fillRect/>
-          </a:stretch>
-        </p:blipFill>
-        <p:spPr>
-          <a:xfrm>
-            <a:off x="367979" y="1314450"/>
-            <a:ext cx="11411186" cy="4843754"/>
-          </a:xfrm>
-          <a:prstGeom prst="rect">
-            <a:avLst/>
-          </a:prstGeom>
-        </p:spPr>
-      </p:pic>
       <p:sp>
         <p:nvSpPr>
           <p:cNvPr id="5" name="TextBox 4"/>
@@ -3008,7 +2984,7 @@
         </p:nvSpPr>
         <p:spPr>
           <a:xfrm>
-            <a:off x="0" y="-1"/>
+            <a:off x="0" y="2788920"/>
             <a:ext cx="12192000" cy="1280160"/>
           </a:xfrm>
           <a:prstGeom prst="rect">
@@ -3066,6 +3042,118 @@
 </file>
 
 <file path=ppt/slides/slide2.xml><?xml version="1.0" encoding="utf-8"?>
+<p:sld xmlns:a="http://schemas.openxmlformats.org/drawingml/2006/main" xmlns:r="http://schemas.openxmlformats.org/officeDocument/2006/relationships" xmlns:p="http://schemas.openxmlformats.org/presentationml/2006/main">
+  <p:cSld>
+    <p:spTree>
+      <p:nvGrpSpPr>
+        <p:cNvPr id="1" name=""/>
+        <p:cNvGrpSpPr/>
+        <p:nvPr/>
+      </p:nvGrpSpPr>
+      <p:grpSpPr>
+        <a:xfrm>
+          <a:off x="0" y="0"/>
+          <a:ext cx="0" cy="0"/>
+          <a:chOff x="0" y="0"/>
+          <a:chExt cx="0" cy="0"/>
+        </a:xfrm>
+      </p:grpSpPr>
+      <p:sp>
+        <p:nvSpPr>
+          <p:cNvPr id="5" name="TextBox 4"/>
+          <p:cNvSpPr txBox="1"/>
+          <p:nvPr/>
+        </p:nvSpPr>
+        <p:spPr>
+          <a:xfrm>
+            <a:off x="0" y="-1"/>
+            <a:ext cx="12192000" cy="1280160"/>
+          </a:xfrm>
+          <a:prstGeom prst="rect">
+            <a:avLst/>
+          </a:prstGeom>
+          <a:solidFill>
+            <a:schemeClr val="tx1"/>
+          </a:solidFill>
+        </p:spPr>
+        <p:txBody>
+          <a:bodyPr wrap="square" rtlCol="0" anchor="ctr">
+            <a:spAutoFit/>
+          </a:bodyPr>
+          <a:lstStyle/>
+          <a:p>
+            <a:pPr algn="ctr"/>
+            <a:r>
+              <a:rPr lang="en-US" sz="6000" dirty="0" err="1" smtClean="0">
+                <a:solidFill>
+                  <a:schemeClr val="bg1"/>
+                </a:solidFill>
+                <a:latin typeface="Lucida Sans Unicode" panose="020B0602030504020204" pitchFamily="34" charset="0"/>
+                <a:cs typeface="Lucida Sans Unicode" panose="020B0602030504020204" pitchFamily="34" charset="0"/>
+              </a:rPr>
+              <a:t>dckx</a:t>
+            </a:r>
+            <a:endParaRPr lang="en-US" sz="6000" dirty="0">
+              <a:solidFill>
+                <a:schemeClr val="bg1"/>
+              </a:solidFill>
+              <a:latin typeface="Lucida Sans Unicode" panose="020B0602030504020204" pitchFamily="34" charset="0"/>
+              <a:cs typeface="Lucida Sans Unicode" panose="020B0602030504020204" pitchFamily="34" charset="0"/>
+            </a:endParaRPr>
+          </a:p>
+        </p:txBody>
+      </p:sp>
+      <p:pic>
+        <p:nvPicPr>
+          <p:cNvPr id="3" name="Picture 2"/>
+          <p:cNvPicPr>
+            <a:picLocks noChangeAspect="1"/>
+          </p:cNvPicPr>
+          <p:nvPr/>
+        </p:nvPicPr>
+        <p:blipFill>
+          <a:blip r:embed="rId2">
+            <a:extLst>
+              <a:ext uri="{28A0092B-C50C-407E-A947-70E740481C1C}">
+                <a14:useLocalDpi xmlns:a14="http://schemas.microsoft.com/office/drawing/2010/main" val="0"/>
+              </a:ext>
+            </a:extLst>
+          </a:blip>
+          <a:stretch>
+            <a:fillRect/>
+          </a:stretch>
+        </p:blipFill>
+        <p:spPr>
+          <a:xfrm>
+            <a:off x="0" y="2025735"/>
+            <a:ext cx="12192000" cy="2806529"/>
+          </a:xfrm>
+          <a:prstGeom prst="rect">
+            <a:avLst/>
+          </a:prstGeom>
+        </p:spPr>
+      </p:pic>
+    </p:spTree>
+    <p:extLst>
+      <p:ext uri="{BB962C8B-B14F-4D97-AF65-F5344CB8AC3E}">
+        <p14:creationId xmlns:p14="http://schemas.microsoft.com/office/powerpoint/2010/main" val="2259889692"/>
+      </p:ext>
+    </p:extLst>
+  </p:cSld>
+  <p:clrMapOvr>
+    <a:masterClrMapping/>
+  </p:clrMapOvr>
+  <p:timing>
+    <p:tnLst>
+      <p:par>
+        <p:cTn id="1" dur="indefinite" restart="never" nodeType="tmRoot"/>
+      </p:par>
+    </p:tnLst>
+  </p:timing>
+</p:sld>
+</file>
+
+<file path=ppt/slides/slide3.xml><?xml version="1.0" encoding="utf-8"?>
 <p:sld xmlns:a="http://schemas.openxmlformats.org/drawingml/2006/main" xmlns:r="http://schemas.openxmlformats.org/officeDocument/2006/relationships" xmlns:p="http://schemas.openxmlformats.org/presentationml/2006/main">
   <p:cSld>
     <p:bg>
@@ -3140,7 +3228,7 @@
 </p:sld>
 </file>
 
-<file path=ppt/slides/slide3.xml><?xml version="1.0" encoding="utf-8"?>
+<file path=ppt/slides/slide4.xml><?xml version="1.0" encoding="utf-8"?>
 <p:sld xmlns:a="http://schemas.openxmlformats.org/drawingml/2006/main" xmlns:r="http://schemas.openxmlformats.org/officeDocument/2006/relationships" xmlns:p="http://schemas.openxmlformats.org/presentationml/2006/main">
   <p:cSld>
     <p:bg>
@@ -3215,7 +3303,7 @@
 </p:sld>
 </file>
 
-<file path=ppt/slides/slide4.xml><?xml version="1.0" encoding="utf-8"?>
+<file path=ppt/slides/slide5.xml><?xml version="1.0" encoding="utf-8"?>
 <p:sld xmlns:a="http://schemas.openxmlformats.org/drawingml/2006/main" xmlns:r="http://schemas.openxmlformats.org/officeDocument/2006/relationships" xmlns:p="http://schemas.openxmlformats.org/presentationml/2006/main">
   <p:cSld>
     <p:bg>
@@ -3290,7 +3378,7 @@
 </p:sld>
 </file>
 
-<file path=ppt/slides/slide5.xml><?xml version="1.0" encoding="utf-8"?>
+<file path=ppt/slides/slide6.xml><?xml version="1.0" encoding="utf-8"?>
 <p:sld xmlns:a="http://schemas.openxmlformats.org/drawingml/2006/main" xmlns:r="http://schemas.openxmlformats.org/officeDocument/2006/relationships" xmlns:p="http://schemas.openxmlformats.org/presentationml/2006/main">
   <p:cSld>
     <p:bg>
@@ -3365,7 +3453,7 @@
 </p:sld>
 </file>
 
-<file path=ppt/slides/slide6.xml><?xml version="1.0" encoding="utf-8"?>
+<file path=ppt/slides/slide7.xml><?xml version="1.0" encoding="utf-8"?>
 <p:sld xmlns:a="http://schemas.openxmlformats.org/drawingml/2006/main" xmlns:r="http://schemas.openxmlformats.org/officeDocument/2006/relationships" xmlns:p="http://schemas.openxmlformats.org/presentationml/2006/main">
   <p:cSld>
     <p:bg>
@@ -3440,7 +3528,7 @@
 </p:sld>
 </file>
 
-<file path=ppt/slides/slide7.xml><?xml version="1.0" encoding="utf-8"?>
+<file path=ppt/slides/slide8.xml><?xml version="1.0" encoding="utf-8"?>
 <p:sld xmlns:a="http://schemas.openxmlformats.org/drawingml/2006/main" xmlns:r="http://schemas.openxmlformats.org/officeDocument/2006/relationships" xmlns:p="http://schemas.openxmlformats.org/presentationml/2006/main">
   <p:cSld>
     <p:bg>
